--- a/UML.pptx
+++ b/UML.pptx
@@ -105,6 +105,11 @@
       </a:defRPr>
     </a:lvl9pPr>
   </p:defaultTextStyle>
+  <p:extLst>
+    <p:ext uri="{EFAFB233-063F-42B5-8137-9DF3F51BA10A}">
+      <p15:sldGuideLst xmlns:p15="http://schemas.microsoft.com/office/powerpoint/2012/main"/>
+    </p:ext>
+  </p:extLst>
 </p:presentation>
 </file>
 
@@ -255,7 +260,7 @@
           <a:p>
             <a:fld id="{101CBF2C-B13E-48DB-8259-D5D98B67FF62}" type="datetimeFigureOut">
               <a:rPr lang="es-ES" smtClean="0"/>
-              <a:t>17/02/2018</a:t>
+              <a:t>20/02/2018</a:t>
             </a:fld>
             <a:endParaRPr lang="es-ES"/>
           </a:p>
@@ -453,7 +458,7 @@
           <a:p>
             <a:fld id="{101CBF2C-B13E-48DB-8259-D5D98B67FF62}" type="datetimeFigureOut">
               <a:rPr lang="es-ES" smtClean="0"/>
-              <a:t>17/02/2018</a:t>
+              <a:t>20/02/2018</a:t>
             </a:fld>
             <a:endParaRPr lang="es-ES"/>
           </a:p>
@@ -661,7 +666,7 @@
           <a:p>
             <a:fld id="{101CBF2C-B13E-48DB-8259-D5D98B67FF62}" type="datetimeFigureOut">
               <a:rPr lang="es-ES" smtClean="0"/>
-              <a:t>17/02/2018</a:t>
+              <a:t>20/02/2018</a:t>
             </a:fld>
             <a:endParaRPr lang="es-ES"/>
           </a:p>
@@ -859,7 +864,7 @@
           <a:p>
             <a:fld id="{101CBF2C-B13E-48DB-8259-D5D98B67FF62}" type="datetimeFigureOut">
               <a:rPr lang="es-ES" smtClean="0"/>
-              <a:t>17/02/2018</a:t>
+              <a:t>20/02/2018</a:t>
             </a:fld>
             <a:endParaRPr lang="es-ES"/>
           </a:p>
@@ -1134,7 +1139,7 @@
           <a:p>
             <a:fld id="{101CBF2C-B13E-48DB-8259-D5D98B67FF62}" type="datetimeFigureOut">
               <a:rPr lang="es-ES" smtClean="0"/>
-              <a:t>17/02/2018</a:t>
+              <a:t>20/02/2018</a:t>
             </a:fld>
             <a:endParaRPr lang="es-ES"/>
           </a:p>
@@ -1399,7 +1404,7 @@
           <a:p>
             <a:fld id="{101CBF2C-B13E-48DB-8259-D5D98B67FF62}" type="datetimeFigureOut">
               <a:rPr lang="es-ES" smtClean="0"/>
-              <a:t>17/02/2018</a:t>
+              <a:t>20/02/2018</a:t>
             </a:fld>
             <a:endParaRPr lang="es-ES"/>
           </a:p>
@@ -1811,7 +1816,7 @@
           <a:p>
             <a:fld id="{101CBF2C-B13E-48DB-8259-D5D98B67FF62}" type="datetimeFigureOut">
               <a:rPr lang="es-ES" smtClean="0"/>
-              <a:t>17/02/2018</a:t>
+              <a:t>20/02/2018</a:t>
             </a:fld>
             <a:endParaRPr lang="es-ES"/>
           </a:p>
@@ -1952,7 +1957,7 @@
           <a:p>
             <a:fld id="{101CBF2C-B13E-48DB-8259-D5D98B67FF62}" type="datetimeFigureOut">
               <a:rPr lang="es-ES" smtClean="0"/>
-              <a:t>17/02/2018</a:t>
+              <a:t>20/02/2018</a:t>
             </a:fld>
             <a:endParaRPr lang="es-ES"/>
           </a:p>
@@ -2065,7 +2070,7 @@
           <a:p>
             <a:fld id="{101CBF2C-B13E-48DB-8259-D5D98B67FF62}" type="datetimeFigureOut">
               <a:rPr lang="es-ES" smtClean="0"/>
-              <a:t>17/02/2018</a:t>
+              <a:t>20/02/2018</a:t>
             </a:fld>
             <a:endParaRPr lang="es-ES"/>
           </a:p>
@@ -2376,7 +2381,7 @@
           <a:p>
             <a:fld id="{101CBF2C-B13E-48DB-8259-D5D98B67FF62}" type="datetimeFigureOut">
               <a:rPr lang="es-ES" smtClean="0"/>
-              <a:t>17/02/2018</a:t>
+              <a:t>20/02/2018</a:t>
             </a:fld>
             <a:endParaRPr lang="es-ES"/>
           </a:p>
@@ -2664,7 +2669,7 @@
           <a:p>
             <a:fld id="{101CBF2C-B13E-48DB-8259-D5D98B67FF62}" type="datetimeFigureOut">
               <a:rPr lang="es-ES" smtClean="0"/>
-              <a:t>17/02/2018</a:t>
+              <a:t>20/02/2018</a:t>
             </a:fld>
             <a:endParaRPr lang="es-ES"/>
           </a:p>
@@ -2905,7 +2910,7 @@
           <a:p>
             <a:fld id="{101CBF2C-B13E-48DB-8259-D5D98B67FF62}" type="datetimeFigureOut">
               <a:rPr lang="es-ES" smtClean="0"/>
-              <a:t>17/02/2018</a:t>
+              <a:t>20/02/2018</a:t>
             </a:fld>
             <a:endParaRPr lang="es-ES"/>
           </a:p>
@@ -3646,8 +3651,8 @@
         </p:nvSpPr>
         <p:spPr>
           <a:xfrm>
-            <a:off x="6898323" y="388525"/>
-            <a:ext cx="2628601" cy="285750"/>
+            <a:off x="10364602" y="787667"/>
+            <a:ext cx="1631182" cy="1348436"/>
           </a:xfrm>
           <a:prstGeom prst="roundRect">
             <a:avLst/>
@@ -3655,21 +3660,34 @@
         </p:spPr>
         <p:style>
           <a:lnRef idx="2">
-            <a:schemeClr val="accent6"/>
+            <a:schemeClr val="accent4">
+              <a:shade val="50000"/>
+            </a:schemeClr>
           </a:lnRef>
           <a:fillRef idx="1">
-            <a:schemeClr val="lt1"/>
+            <a:schemeClr val="accent4"/>
           </a:fillRef>
           <a:effectRef idx="0">
-            <a:schemeClr val="accent6"/>
+            <a:schemeClr val="accent4"/>
           </a:effectRef>
           <a:fontRef idx="minor">
-            <a:schemeClr val="dk1"/>
+            <a:schemeClr val="lt1"/>
           </a:fontRef>
         </p:style>
         <p:txBody>
           <a:bodyPr rtlCol="0" anchor="ctr"/>
           <a:lstStyle/>
+          <a:p>
+            <a:pPr algn="ctr"/>
+            <a:r>
+              <a:rPr lang="es-ES" dirty="0" err="1"/>
+              <a:t>Reminders</a:t>
+            </a:r>
+            <a:r>
+              <a:rPr lang="es-ES" dirty="0"/>
+              <a:t>:</a:t>
+            </a:r>
+          </a:p>
           <a:p>
             <a:pPr algn="ctr"/>
             <a:r>
@@ -4523,8 +4541,8 @@
         </p:nvSpPr>
         <p:spPr>
           <a:xfrm>
-            <a:off x="3232288" y="3559526"/>
-            <a:ext cx="1392458" cy="1220208"/>
+            <a:off x="6029636" y="3549901"/>
+            <a:ext cx="1392458" cy="1206657"/>
           </a:xfrm>
           <a:prstGeom prst="roundRect">
             <a:avLst/>
@@ -4573,7 +4591,7 @@
         </p:nvSpPr>
         <p:spPr>
           <a:xfrm>
-            <a:off x="3349196" y="3938119"/>
+            <a:off x="6146544" y="3928494"/>
             <a:ext cx="1171074" cy="356135"/>
           </a:xfrm>
           <a:prstGeom prst="roundRect">
@@ -4621,7 +4639,7 @@
         </p:nvSpPr>
         <p:spPr>
           <a:xfrm>
-            <a:off x="4624746" y="3542292"/>
+            <a:off x="7422094" y="3530159"/>
             <a:ext cx="1392458" cy="1220208"/>
           </a:xfrm>
           <a:prstGeom prst="roundRect">
@@ -4671,7 +4689,7 @@
         </p:nvSpPr>
         <p:spPr>
           <a:xfrm>
-            <a:off x="4741654" y="3920885"/>
+            <a:off x="7539002" y="3911260"/>
             <a:ext cx="1171074" cy="356135"/>
           </a:xfrm>
           <a:prstGeom prst="roundRect">
@@ -4719,7 +4737,7 @@
         </p:nvSpPr>
         <p:spPr>
           <a:xfrm>
-            <a:off x="6017204" y="3550909"/>
+            <a:off x="8814552" y="3541284"/>
             <a:ext cx="1392458" cy="1220208"/>
           </a:xfrm>
           <a:prstGeom prst="roundRect">
@@ -4777,7 +4795,7 @@
         </p:nvSpPr>
         <p:spPr>
           <a:xfrm>
-            <a:off x="6134112" y="3929502"/>
+            <a:off x="8931460" y="3919877"/>
             <a:ext cx="1171074" cy="529997"/>
           </a:xfrm>
           <a:prstGeom prst="roundRect">
@@ -4832,7 +4850,7 @@
         </p:nvSpPr>
         <p:spPr>
           <a:xfrm>
-            <a:off x="7409662" y="3559526"/>
+            <a:off x="1827398" y="4804989"/>
             <a:ext cx="1392458" cy="1220208"/>
           </a:xfrm>
           <a:prstGeom prst="roundRect">
@@ -4890,7 +4908,7 @@
         </p:nvSpPr>
         <p:spPr>
           <a:xfrm>
-            <a:off x="7526570" y="3938119"/>
+            <a:off x="1944306" y="5183582"/>
             <a:ext cx="1171074" cy="356135"/>
           </a:xfrm>
           <a:prstGeom prst="roundRect">
@@ -4937,7 +4955,7 @@
         </p:nvSpPr>
         <p:spPr>
           <a:xfrm>
-            <a:off x="8802120" y="3550909"/>
+            <a:off x="3240280" y="4804989"/>
             <a:ext cx="1392458" cy="1220208"/>
           </a:xfrm>
           <a:prstGeom prst="roundRect">
@@ -4995,7 +5013,7 @@
         </p:nvSpPr>
         <p:spPr>
           <a:xfrm>
-            <a:off x="8919028" y="3929502"/>
+            <a:off x="3357188" y="5183582"/>
             <a:ext cx="1171074" cy="356135"/>
           </a:xfrm>
           <a:prstGeom prst="roundRect">
@@ -5042,7 +5060,7 @@
         </p:nvSpPr>
         <p:spPr>
           <a:xfrm>
-            <a:off x="1839830" y="4778726"/>
+            <a:off x="4630962" y="4804989"/>
             <a:ext cx="1392458" cy="1220208"/>
           </a:xfrm>
           <a:prstGeom prst="roundRect">
@@ -5100,7 +5118,7 @@
         </p:nvSpPr>
         <p:spPr>
           <a:xfrm>
-            <a:off x="1956738" y="5157319"/>
+            <a:off x="4747870" y="5183582"/>
             <a:ext cx="1171074" cy="356135"/>
           </a:xfrm>
           <a:prstGeom prst="roundRect">
@@ -5148,7 +5166,7 @@
         </p:nvSpPr>
         <p:spPr>
           <a:xfrm>
-            <a:off x="1956738" y="5513454"/>
+            <a:off x="4747870" y="5539717"/>
             <a:ext cx="1171074" cy="356135"/>
           </a:xfrm>
           <a:prstGeom prst="roundRect">
@@ -5196,7 +5214,7 @@
         </p:nvSpPr>
         <p:spPr>
           <a:xfrm>
-            <a:off x="3232288" y="4770109"/>
+            <a:off x="6029636" y="4797416"/>
             <a:ext cx="1392458" cy="1220208"/>
           </a:xfrm>
           <a:prstGeom prst="roundRect">
@@ -5246,7 +5264,7 @@
         </p:nvSpPr>
         <p:spPr>
           <a:xfrm>
-            <a:off x="3349196" y="5148702"/>
+            <a:off x="6146544" y="5176009"/>
             <a:ext cx="1171074" cy="356135"/>
           </a:xfrm>
           <a:prstGeom prst="roundRect">
@@ -5294,7 +5312,7 @@
         </p:nvSpPr>
         <p:spPr>
           <a:xfrm>
-            <a:off x="4637178" y="4761996"/>
+            <a:off x="7434526" y="4789303"/>
             <a:ext cx="1392458" cy="1220208"/>
           </a:xfrm>
           <a:prstGeom prst="roundRect">
@@ -5352,7 +5370,7 @@
         </p:nvSpPr>
         <p:spPr>
           <a:xfrm>
-            <a:off x="4754086" y="5140589"/>
+            <a:off x="7551434" y="5167896"/>
             <a:ext cx="1171074" cy="507736"/>
           </a:xfrm>
           <a:prstGeom prst="roundRect">
@@ -5403,7 +5421,7 @@
         </p:nvSpPr>
         <p:spPr>
           <a:xfrm>
-            <a:off x="6042068" y="4761996"/>
+            <a:off x="8839416" y="4789303"/>
             <a:ext cx="1392458" cy="1220208"/>
           </a:xfrm>
           <a:prstGeom prst="roundRect">
@@ -5456,7 +5474,7 @@
         </p:nvSpPr>
         <p:spPr>
           <a:xfrm>
-            <a:off x="6152760" y="5140589"/>
+            <a:off x="8950108" y="5167896"/>
             <a:ext cx="1171074" cy="356135"/>
           </a:xfrm>
           <a:prstGeom prst="roundRect">
@@ -5487,6 +5505,317 @@
               <a:t>MathGeoLib</a:t>
             </a:r>
             <a:endParaRPr lang="es-ES" sz="1400" dirty="0"/>
+          </a:p>
+        </p:txBody>
+      </p:sp>
+      <p:sp>
+        <p:nvSpPr>
+          <p:cNvPr id="44" name="Rectángulo: esquinas redondeadas 43">
+            <a:extLst>
+              <a:ext uri="{FF2B5EF4-FFF2-40B4-BE49-F238E27FC236}">
+                <a16:creationId xmlns:a16="http://schemas.microsoft.com/office/drawing/2014/main" id="{EDE9CD33-1D68-4D6E-95A3-3DF9C405A172}"/>
+              </a:ext>
+            </a:extLst>
+          </p:cNvPr>
+          <p:cNvSpPr/>
+          <p:nvPr/>
+        </p:nvSpPr>
+        <p:spPr>
+          <a:xfrm>
+            <a:off x="3219856" y="3557510"/>
+            <a:ext cx="1392458" cy="1220208"/>
+          </a:xfrm>
+          <a:prstGeom prst="roundRect">
+            <a:avLst/>
+          </a:prstGeom>
+        </p:spPr>
+        <p:style>
+          <a:lnRef idx="2">
+            <a:schemeClr val="accent2">
+              <a:shade val="50000"/>
+            </a:schemeClr>
+          </a:lnRef>
+          <a:fillRef idx="1">
+            <a:schemeClr val="accent2"/>
+          </a:fillRef>
+          <a:effectRef idx="0">
+            <a:schemeClr val="accent2"/>
+          </a:effectRef>
+          <a:fontRef idx="minor">
+            <a:schemeClr val="lt1"/>
+          </a:fontRef>
+        </p:style>
+        <p:txBody>
+          <a:bodyPr rtlCol="0" anchor="t"/>
+          <a:lstStyle/>
+          <a:p>
+            <a:pPr algn="ctr"/>
+            <a:r>
+              <a:rPr lang="es-ES" sz="1000" dirty="0" err="1"/>
+              <a:t>Assertions</a:t>
+            </a:r>
+            <a:endParaRPr lang="es-ES" sz="1000" dirty="0"/>
+          </a:p>
+        </p:txBody>
+      </p:sp>
+      <p:sp>
+        <p:nvSpPr>
+          <p:cNvPr id="47" name="Rectángulo: esquinas redondeadas 46">
+            <a:extLst>
+              <a:ext uri="{FF2B5EF4-FFF2-40B4-BE49-F238E27FC236}">
+                <a16:creationId xmlns:a16="http://schemas.microsoft.com/office/drawing/2014/main" id="{DF47103B-B739-4384-89D4-ABA91C2ECF2C}"/>
+              </a:ext>
+            </a:extLst>
+          </p:cNvPr>
+          <p:cNvSpPr/>
+          <p:nvPr/>
+        </p:nvSpPr>
+        <p:spPr>
+          <a:xfrm>
+            <a:off x="3330548" y="3936103"/>
+            <a:ext cx="1171074" cy="356135"/>
+          </a:xfrm>
+          <a:prstGeom prst="roundRect">
+            <a:avLst/>
+          </a:prstGeom>
+        </p:spPr>
+        <p:style>
+          <a:lnRef idx="2">
+            <a:schemeClr val="accent6"/>
+          </a:lnRef>
+          <a:fillRef idx="1">
+            <a:schemeClr val="lt1"/>
+          </a:fillRef>
+          <a:effectRef idx="0">
+            <a:schemeClr val="accent6"/>
+          </a:effectRef>
+          <a:fontRef idx="minor">
+            <a:schemeClr val="dk1"/>
+          </a:fontRef>
+        </p:style>
+        <p:txBody>
+          <a:bodyPr rtlCol="0" anchor="ctr"/>
+          <a:lstStyle/>
+          <a:p>
+            <a:pPr algn="ctr"/>
+            <a:r>
+              <a:rPr lang="es-ES" sz="1400" dirty="0"/>
+              <a:t>SDL</a:t>
+            </a:r>
+          </a:p>
+        </p:txBody>
+      </p:sp>
+      <p:sp>
+        <p:nvSpPr>
+          <p:cNvPr id="48" name="Rectángulo: esquinas redondeadas 47">
+            <a:extLst>
+              <a:ext uri="{FF2B5EF4-FFF2-40B4-BE49-F238E27FC236}">
+                <a16:creationId xmlns:a16="http://schemas.microsoft.com/office/drawing/2014/main" id="{A3E1B69D-5237-463A-9897-D061789E9A6D}"/>
+              </a:ext>
+            </a:extLst>
+          </p:cNvPr>
+          <p:cNvSpPr/>
+          <p:nvPr/>
+        </p:nvSpPr>
+        <p:spPr>
+          <a:xfrm>
+            <a:off x="4637178" y="3538690"/>
+            <a:ext cx="1392458" cy="1211677"/>
+          </a:xfrm>
+          <a:prstGeom prst="roundRect">
+            <a:avLst/>
+          </a:prstGeom>
+        </p:spPr>
+        <p:style>
+          <a:lnRef idx="2">
+            <a:schemeClr val="accent2">
+              <a:shade val="50000"/>
+            </a:schemeClr>
+          </a:lnRef>
+          <a:fillRef idx="1">
+            <a:schemeClr val="accent2"/>
+          </a:fillRef>
+          <a:effectRef idx="0">
+            <a:schemeClr val="accent2"/>
+          </a:effectRef>
+          <a:fontRef idx="minor">
+            <a:schemeClr val="lt1"/>
+          </a:fontRef>
+        </p:style>
+        <p:txBody>
+          <a:bodyPr rtlCol="0" anchor="t"/>
+          <a:lstStyle/>
+          <a:p>
+            <a:pPr algn="ctr"/>
+            <a:r>
+              <a:rPr lang="es-ES" sz="1200" dirty="0" err="1"/>
+              <a:t>Profiling</a:t>
+            </a:r>
+            <a:endParaRPr lang="es-ES" sz="1200" dirty="0"/>
+          </a:p>
+        </p:txBody>
+      </p:sp>
+      <p:sp>
+        <p:nvSpPr>
+          <p:cNvPr id="52" name="Rectángulo: esquinas redondeadas 51">
+            <a:extLst>
+              <a:ext uri="{FF2B5EF4-FFF2-40B4-BE49-F238E27FC236}">
+                <a16:creationId xmlns:a16="http://schemas.microsoft.com/office/drawing/2014/main" id="{772A2857-F5C2-4FBD-81D4-E828B0B6F940}"/>
+              </a:ext>
+            </a:extLst>
+          </p:cNvPr>
+          <p:cNvSpPr/>
+          <p:nvPr/>
+        </p:nvSpPr>
+        <p:spPr>
+          <a:xfrm>
+            <a:off x="4754086" y="3917283"/>
+            <a:ext cx="1171074" cy="356135"/>
+          </a:xfrm>
+          <a:prstGeom prst="roundRect">
+            <a:avLst/>
+          </a:prstGeom>
+        </p:spPr>
+        <p:style>
+          <a:lnRef idx="2">
+            <a:schemeClr val="accent6"/>
+          </a:lnRef>
+          <a:fillRef idx="1">
+            <a:schemeClr val="lt1"/>
+          </a:fillRef>
+          <a:effectRef idx="0">
+            <a:schemeClr val="accent6"/>
+          </a:effectRef>
+          <a:fontRef idx="minor">
+            <a:schemeClr val="dk1"/>
+          </a:fontRef>
+        </p:style>
+        <p:txBody>
+          <a:bodyPr rtlCol="0" anchor="ctr"/>
+          <a:lstStyle/>
+          <a:p>
+            <a:pPr algn="ctr"/>
+            <a:r>
+              <a:rPr lang="es-ES" sz="1600" dirty="0" err="1"/>
+              <a:t>Brofiler</a:t>
+            </a:r>
+            <a:endParaRPr lang="es-ES" sz="1600" dirty="0"/>
+          </a:p>
+        </p:txBody>
+      </p:sp>
+      <p:sp>
+        <p:nvSpPr>
+          <p:cNvPr id="53" name="Rectángulo: esquinas redondeadas 52">
+            <a:extLst>
+              <a:ext uri="{FF2B5EF4-FFF2-40B4-BE49-F238E27FC236}">
+                <a16:creationId xmlns:a16="http://schemas.microsoft.com/office/drawing/2014/main" id="{EFCD44A2-86AF-450B-B0CD-A8D7C5D8F4D0}"/>
+              </a:ext>
+            </a:extLst>
+          </p:cNvPr>
+          <p:cNvSpPr/>
+          <p:nvPr/>
+        </p:nvSpPr>
+        <p:spPr>
+          <a:xfrm>
+            <a:off x="10364602" y="3549901"/>
+            <a:ext cx="1631182" cy="2409811"/>
+          </a:xfrm>
+          <a:prstGeom prst="roundRect">
+            <a:avLst/>
+          </a:prstGeom>
+        </p:spPr>
+        <p:style>
+          <a:lnRef idx="2">
+            <a:schemeClr val="accent6">
+              <a:shade val="50000"/>
+            </a:schemeClr>
+          </a:lnRef>
+          <a:fillRef idx="1">
+            <a:schemeClr val="accent6"/>
+          </a:fillRef>
+          <a:effectRef idx="0">
+            <a:schemeClr val="accent6"/>
+          </a:effectRef>
+          <a:fontRef idx="minor">
+            <a:schemeClr val="lt1"/>
+          </a:fontRef>
+        </p:style>
+        <p:txBody>
+          <a:bodyPr rtlCol="0" anchor="ctr"/>
+          <a:lstStyle/>
+          <a:p>
+            <a:pPr algn="ctr"/>
+            <a:r>
+              <a:rPr lang="es-ES" sz="1600" dirty="0" err="1"/>
+              <a:t>Other</a:t>
+            </a:r>
+            <a:r>
+              <a:rPr lang="es-ES" sz="1600" dirty="0"/>
+              <a:t> </a:t>
+            </a:r>
+            <a:r>
+              <a:rPr lang="es-ES" sz="1600" dirty="0" err="1"/>
+              <a:t>systems</a:t>
+            </a:r>
+            <a:r>
+              <a:rPr lang="es-ES" sz="1600" dirty="0"/>
+              <a:t>:</a:t>
+            </a:r>
+          </a:p>
+          <a:p>
+            <a:pPr algn="ctr"/>
+            <a:r>
+              <a:rPr lang="es-ES" sz="1600" dirty="0" err="1"/>
+              <a:t>Localization</a:t>
+            </a:r>
+            <a:r>
+              <a:rPr lang="es-ES" sz="1600" dirty="0"/>
+              <a:t> </a:t>
+            </a:r>
+            <a:r>
+              <a:rPr lang="es-ES" sz="1600" dirty="0" err="1"/>
+              <a:t>services</a:t>
+            </a:r>
+            <a:r>
+              <a:rPr lang="es-ES" sz="1600" dirty="0"/>
+              <a:t>, Curves, RTTI, </a:t>
+            </a:r>
+            <a:r>
+              <a:rPr lang="es-ES" sz="1600" dirty="0" err="1">
+                <a:solidFill>
+                  <a:srgbClr val="FF0000"/>
+                </a:solidFill>
+              </a:rPr>
+              <a:t>Unique</a:t>
+            </a:r>
+            <a:r>
+              <a:rPr lang="es-ES" sz="1600" dirty="0">
+                <a:solidFill>
+                  <a:srgbClr val="FF0000"/>
+                </a:solidFill>
+              </a:rPr>
+              <a:t> </a:t>
+            </a:r>
+            <a:r>
+              <a:rPr lang="es-ES" sz="1600" dirty="0" err="1">
+                <a:solidFill>
+                  <a:srgbClr val="FF0000"/>
+                </a:solidFill>
+              </a:rPr>
+              <a:t>Ids</a:t>
+            </a:r>
+            <a:r>
+              <a:rPr lang="es-ES" sz="1600" dirty="0"/>
+              <a:t>, </a:t>
+            </a:r>
+            <a:r>
+              <a:rPr lang="es-ES" sz="1600" dirty="0" err="1"/>
+              <a:t>Asynchronous</a:t>
+            </a:r>
+            <a:r>
+              <a:rPr lang="es-ES" sz="1600" dirty="0"/>
+              <a:t> File I/O</a:t>
+            </a:r>
           </a:p>
         </p:txBody>
       </p:sp>
@@ -5534,7 +5863,7 @@
         </p:nvSpPr>
         <p:spPr>
           <a:xfrm>
-            <a:off x="1970864" y="1109008"/>
+            <a:off x="1845029" y="1486512"/>
             <a:ext cx="8250272" cy="609600"/>
           </a:xfrm>
           <a:prstGeom prst="roundRect">
@@ -5562,12 +5891,1042 @@
             <a:pPr algn="ctr"/>
             <a:r>
               <a:rPr lang="es-ES" dirty="0" err="1"/>
-              <a:t>Resouce</a:t>
+              <a:t>Resource</a:t>
             </a:r>
             <a:r>
               <a:rPr lang="es-ES" dirty="0"/>
               <a:t> Manager</a:t>
             </a:r>
+          </a:p>
+        </p:txBody>
+      </p:sp>
+      <p:sp>
+        <p:nvSpPr>
+          <p:cNvPr id="3" name="Rectángulo: esquinas redondeadas 2">
+            <a:extLst>
+              <a:ext uri="{FF2B5EF4-FFF2-40B4-BE49-F238E27FC236}">
+                <a16:creationId xmlns:a16="http://schemas.microsoft.com/office/drawing/2014/main" id="{5A86C1B3-4D04-479B-8137-3D06D43D9C4D}"/>
+              </a:ext>
+            </a:extLst>
+          </p:cNvPr>
+          <p:cNvSpPr/>
+          <p:nvPr/>
+        </p:nvSpPr>
+        <p:spPr>
+          <a:xfrm>
+            <a:off x="1845029" y="2096111"/>
+            <a:ext cx="8250272" cy="1267873"/>
+          </a:xfrm>
+          <a:prstGeom prst="roundRect">
+            <a:avLst/>
+          </a:prstGeom>
+        </p:spPr>
+        <p:style>
+          <a:lnRef idx="2">
+            <a:schemeClr val="accent1">
+              <a:shade val="50000"/>
+            </a:schemeClr>
+          </a:lnRef>
+          <a:fillRef idx="1">
+            <a:schemeClr val="accent1"/>
+          </a:fillRef>
+          <a:effectRef idx="0">
+            <a:schemeClr val="accent1"/>
+          </a:effectRef>
+          <a:fontRef idx="minor">
+            <a:schemeClr val="lt1"/>
+          </a:fontRef>
+        </p:style>
+        <p:txBody>
+          <a:bodyPr rtlCol="0" anchor="t"/>
+          <a:lstStyle/>
+          <a:p>
+            <a:pPr algn="ctr"/>
+            <a:r>
+              <a:rPr lang="es-ES" sz="1200" dirty="0" err="1"/>
+              <a:t>Class</a:t>
+            </a:r>
+            <a:r>
+              <a:rPr lang="es-ES" sz="1200" dirty="0"/>
+              <a:t>::</a:t>
+            </a:r>
+            <a:r>
+              <a:rPr lang="es-ES" sz="1200" dirty="0" err="1"/>
+              <a:t>Resource</a:t>
+            </a:r>
+            <a:endParaRPr lang="es-ES" sz="1200" dirty="0"/>
+          </a:p>
+        </p:txBody>
+      </p:sp>
+      <p:sp>
+        <p:nvSpPr>
+          <p:cNvPr id="6" name="Rectángulo: esquinas redondeadas 5">
+            <a:extLst>
+              <a:ext uri="{FF2B5EF4-FFF2-40B4-BE49-F238E27FC236}">
+                <a16:creationId xmlns:a16="http://schemas.microsoft.com/office/drawing/2014/main" id="{025E3964-582F-4BC3-9F25-081E01B3FB94}"/>
+              </a:ext>
+            </a:extLst>
+          </p:cNvPr>
+          <p:cNvSpPr/>
+          <p:nvPr/>
+        </p:nvSpPr>
+        <p:spPr>
+          <a:xfrm>
+            <a:off x="4721825" y="2527644"/>
+            <a:ext cx="1171074" cy="356135"/>
+          </a:xfrm>
+          <a:prstGeom prst="roundRect">
+            <a:avLst/>
+          </a:prstGeom>
+        </p:spPr>
+        <p:style>
+          <a:lnRef idx="2">
+            <a:schemeClr val="accent6"/>
+          </a:lnRef>
+          <a:fillRef idx="1">
+            <a:schemeClr val="lt1"/>
+          </a:fillRef>
+          <a:effectRef idx="0">
+            <a:schemeClr val="accent6"/>
+          </a:effectRef>
+          <a:fontRef idx="minor">
+            <a:schemeClr val="dk1"/>
+          </a:fontRef>
+        </p:style>
+        <p:txBody>
+          <a:bodyPr rtlCol="0" anchor="ctr"/>
+          <a:lstStyle/>
+          <a:p>
+            <a:pPr algn="ctr"/>
+            <a:r>
+              <a:rPr lang="es-ES" dirty="0" err="1"/>
+              <a:t>Mesh</a:t>
+            </a:r>
+            <a:endParaRPr lang="es-ES" dirty="0"/>
+          </a:p>
+        </p:txBody>
+      </p:sp>
+      <p:sp>
+        <p:nvSpPr>
+          <p:cNvPr id="8" name="Rectángulo: esquinas redondeadas 7">
+            <a:extLst>
+              <a:ext uri="{FF2B5EF4-FFF2-40B4-BE49-F238E27FC236}">
+                <a16:creationId xmlns:a16="http://schemas.microsoft.com/office/drawing/2014/main" id="{47C1CF58-9716-431D-875D-2F36E64782AA}"/>
+              </a:ext>
+            </a:extLst>
+          </p:cNvPr>
+          <p:cNvSpPr/>
+          <p:nvPr/>
+        </p:nvSpPr>
+        <p:spPr>
+          <a:xfrm>
+            <a:off x="2380534" y="2527647"/>
+            <a:ext cx="1171074" cy="356135"/>
+          </a:xfrm>
+          <a:prstGeom prst="roundRect">
+            <a:avLst/>
+          </a:prstGeom>
+        </p:spPr>
+        <p:style>
+          <a:lnRef idx="2">
+            <a:schemeClr val="accent6"/>
+          </a:lnRef>
+          <a:fillRef idx="1">
+            <a:schemeClr val="lt1"/>
+          </a:fillRef>
+          <a:effectRef idx="0">
+            <a:schemeClr val="accent6"/>
+          </a:effectRef>
+          <a:fontRef idx="minor">
+            <a:schemeClr val="dk1"/>
+          </a:fontRef>
+        </p:style>
+        <p:txBody>
+          <a:bodyPr rtlCol="0" anchor="ctr"/>
+          <a:lstStyle/>
+          <a:p>
+            <a:pPr algn="ctr"/>
+            <a:r>
+              <a:rPr lang="es-ES" dirty="0" err="1"/>
+              <a:t>Texture</a:t>
+            </a:r>
+            <a:endParaRPr lang="es-ES" dirty="0"/>
+          </a:p>
+        </p:txBody>
+      </p:sp>
+      <p:sp>
+        <p:nvSpPr>
+          <p:cNvPr id="9" name="Rectángulo: esquinas redondeadas 8">
+            <a:extLst>
+              <a:ext uri="{FF2B5EF4-FFF2-40B4-BE49-F238E27FC236}">
+                <a16:creationId xmlns:a16="http://schemas.microsoft.com/office/drawing/2014/main" id="{5EF05DB7-56ED-4FEB-B620-722E4FA03474}"/>
+              </a:ext>
+            </a:extLst>
+          </p:cNvPr>
+          <p:cNvSpPr/>
+          <p:nvPr/>
+        </p:nvSpPr>
+        <p:spPr>
+          <a:xfrm>
+            <a:off x="3551608" y="2527646"/>
+            <a:ext cx="1171074" cy="356135"/>
+          </a:xfrm>
+          <a:prstGeom prst="roundRect">
+            <a:avLst/>
+          </a:prstGeom>
+        </p:spPr>
+        <p:style>
+          <a:lnRef idx="2">
+            <a:schemeClr val="accent6"/>
+          </a:lnRef>
+          <a:fillRef idx="1">
+            <a:schemeClr val="lt1"/>
+          </a:fillRef>
+          <a:effectRef idx="0">
+            <a:schemeClr val="accent6"/>
+          </a:effectRef>
+          <a:fontRef idx="minor">
+            <a:schemeClr val="dk1"/>
+          </a:fontRef>
+        </p:style>
+        <p:txBody>
+          <a:bodyPr rtlCol="0" anchor="ctr"/>
+          <a:lstStyle/>
+          <a:p>
+            <a:pPr algn="ctr"/>
+            <a:r>
+              <a:rPr lang="es-ES" dirty="0"/>
+              <a:t>Material</a:t>
+            </a:r>
+          </a:p>
+        </p:txBody>
+      </p:sp>
+      <p:sp>
+        <p:nvSpPr>
+          <p:cNvPr id="10" name="Rectángulo: esquinas redondeadas 9">
+            <a:extLst>
+              <a:ext uri="{FF2B5EF4-FFF2-40B4-BE49-F238E27FC236}">
+                <a16:creationId xmlns:a16="http://schemas.microsoft.com/office/drawing/2014/main" id="{903D4DAA-68D1-4132-A692-F61E19243A67}"/>
+              </a:ext>
+            </a:extLst>
+          </p:cNvPr>
+          <p:cNvSpPr/>
+          <p:nvPr/>
+        </p:nvSpPr>
+        <p:spPr>
+          <a:xfrm>
+            <a:off x="5893756" y="2527650"/>
+            <a:ext cx="1171074" cy="356135"/>
+          </a:xfrm>
+          <a:prstGeom prst="roundRect">
+            <a:avLst/>
+          </a:prstGeom>
+        </p:spPr>
+        <p:style>
+          <a:lnRef idx="2">
+            <a:schemeClr val="accent6"/>
+          </a:lnRef>
+          <a:fillRef idx="1">
+            <a:schemeClr val="lt1"/>
+          </a:fillRef>
+          <a:effectRef idx="0">
+            <a:schemeClr val="accent6"/>
+          </a:effectRef>
+          <a:fontRef idx="minor">
+            <a:schemeClr val="dk1"/>
+          </a:fontRef>
+        </p:style>
+        <p:txBody>
+          <a:bodyPr rtlCol="0" anchor="ctr"/>
+          <a:lstStyle/>
+          <a:p>
+            <a:pPr algn="ctr"/>
+            <a:r>
+              <a:rPr lang="es-ES" dirty="0"/>
+              <a:t>Font</a:t>
+            </a:r>
+          </a:p>
+        </p:txBody>
+      </p:sp>
+      <p:sp>
+        <p:nvSpPr>
+          <p:cNvPr id="11" name="Rectángulo: esquinas redondeadas 10">
+            <a:extLst>
+              <a:ext uri="{FF2B5EF4-FFF2-40B4-BE49-F238E27FC236}">
+                <a16:creationId xmlns:a16="http://schemas.microsoft.com/office/drawing/2014/main" id="{63A2A02A-8368-4BAC-8EC9-7C8B212A8597}"/>
+              </a:ext>
+            </a:extLst>
+          </p:cNvPr>
+          <p:cNvSpPr/>
+          <p:nvPr/>
+        </p:nvSpPr>
+        <p:spPr>
+          <a:xfrm>
+            <a:off x="7064830" y="2527649"/>
+            <a:ext cx="1171074" cy="356135"/>
+          </a:xfrm>
+          <a:prstGeom prst="roundRect">
+            <a:avLst/>
+          </a:prstGeom>
+        </p:spPr>
+        <p:style>
+          <a:lnRef idx="2">
+            <a:schemeClr val="accent6"/>
+          </a:lnRef>
+          <a:fillRef idx="1">
+            <a:schemeClr val="lt1"/>
+          </a:fillRef>
+          <a:effectRef idx="0">
+            <a:schemeClr val="accent6"/>
+          </a:effectRef>
+          <a:fontRef idx="minor">
+            <a:schemeClr val="dk1"/>
+          </a:fontRef>
+        </p:style>
+        <p:txBody>
+          <a:bodyPr rtlCol="0" anchor="ctr"/>
+          <a:lstStyle/>
+          <a:p>
+            <a:pPr algn="ctr"/>
+            <a:r>
+              <a:rPr lang="es-ES" dirty="0" err="1"/>
+              <a:t>Skeleton</a:t>
+            </a:r>
+            <a:endParaRPr lang="es-ES" dirty="0"/>
+          </a:p>
+        </p:txBody>
+      </p:sp>
+      <p:sp>
+        <p:nvSpPr>
+          <p:cNvPr id="12" name="Rectángulo: esquinas redondeadas 11">
+            <a:extLst>
+              <a:ext uri="{FF2B5EF4-FFF2-40B4-BE49-F238E27FC236}">
+                <a16:creationId xmlns:a16="http://schemas.microsoft.com/office/drawing/2014/main" id="{6863EE9D-42E6-47F7-AAB4-8B6B108955DB}"/>
+              </a:ext>
+            </a:extLst>
+          </p:cNvPr>
+          <p:cNvSpPr/>
+          <p:nvPr/>
+        </p:nvSpPr>
+        <p:spPr>
+          <a:xfrm>
+            <a:off x="3918249" y="2883778"/>
+            <a:ext cx="1171074" cy="356135"/>
+          </a:xfrm>
+          <a:prstGeom prst="roundRect">
+            <a:avLst/>
+          </a:prstGeom>
+        </p:spPr>
+        <p:style>
+          <a:lnRef idx="2">
+            <a:schemeClr val="accent6"/>
+          </a:lnRef>
+          <a:fillRef idx="1">
+            <a:schemeClr val="lt1"/>
+          </a:fillRef>
+          <a:effectRef idx="0">
+            <a:schemeClr val="accent6"/>
+          </a:effectRef>
+          <a:fontRef idx="minor">
+            <a:schemeClr val="dk1"/>
+          </a:fontRef>
+        </p:style>
+        <p:txBody>
+          <a:bodyPr rtlCol="0" anchor="ctr"/>
+          <a:lstStyle/>
+          <a:p>
+            <a:pPr algn="ctr"/>
+            <a:r>
+              <a:rPr lang="es-ES" dirty="0" err="1"/>
+              <a:t>Collision</a:t>
+            </a:r>
+            <a:endParaRPr lang="es-ES" dirty="0"/>
+          </a:p>
+        </p:txBody>
+      </p:sp>
+      <p:sp>
+        <p:nvSpPr>
+          <p:cNvPr id="13" name="Rectángulo: esquinas redondeadas 12">
+            <a:extLst>
+              <a:ext uri="{FF2B5EF4-FFF2-40B4-BE49-F238E27FC236}">
+                <a16:creationId xmlns:a16="http://schemas.microsoft.com/office/drawing/2014/main" id="{7E7E322F-F073-46EF-8079-30036EE8E634}"/>
+              </a:ext>
+            </a:extLst>
+          </p:cNvPr>
+          <p:cNvSpPr/>
+          <p:nvPr/>
+        </p:nvSpPr>
+        <p:spPr>
+          <a:xfrm>
+            <a:off x="5090179" y="2883780"/>
+            <a:ext cx="1171074" cy="356135"/>
+          </a:xfrm>
+          <a:prstGeom prst="roundRect">
+            <a:avLst/>
+          </a:prstGeom>
+        </p:spPr>
+        <p:style>
+          <a:lnRef idx="2">
+            <a:schemeClr val="accent6"/>
+          </a:lnRef>
+          <a:fillRef idx="1">
+            <a:schemeClr val="lt1"/>
+          </a:fillRef>
+          <a:effectRef idx="0">
+            <a:schemeClr val="accent6"/>
+          </a:effectRef>
+          <a:fontRef idx="minor">
+            <a:schemeClr val="dk1"/>
+          </a:fontRef>
+        </p:style>
+        <p:txBody>
+          <a:bodyPr rtlCol="0" anchor="ctr"/>
+          <a:lstStyle/>
+          <a:p>
+            <a:pPr algn="ctr"/>
+            <a:r>
+              <a:rPr lang="es-ES" dirty="0" err="1"/>
+              <a:t>Physics</a:t>
+            </a:r>
+            <a:endParaRPr lang="es-ES" dirty="0"/>
+          </a:p>
+        </p:txBody>
+      </p:sp>
+      <p:sp>
+        <p:nvSpPr>
+          <p:cNvPr id="14" name="Rectángulo: esquinas redondeadas 13">
+            <a:extLst>
+              <a:ext uri="{FF2B5EF4-FFF2-40B4-BE49-F238E27FC236}">
+                <a16:creationId xmlns:a16="http://schemas.microsoft.com/office/drawing/2014/main" id="{99C9530C-5FD6-49E2-B735-0B3E08DE8DAA}"/>
+              </a:ext>
+            </a:extLst>
+          </p:cNvPr>
+          <p:cNvSpPr/>
+          <p:nvPr/>
+        </p:nvSpPr>
+        <p:spPr>
+          <a:xfrm>
+            <a:off x="6262109" y="2883780"/>
+            <a:ext cx="1579437" cy="356135"/>
+          </a:xfrm>
+          <a:prstGeom prst="roundRect">
+            <a:avLst/>
+          </a:prstGeom>
+        </p:spPr>
+        <p:style>
+          <a:lnRef idx="2">
+            <a:schemeClr val="accent6"/>
+          </a:lnRef>
+          <a:fillRef idx="1">
+            <a:schemeClr val="lt1"/>
+          </a:fillRef>
+          <a:effectRef idx="0">
+            <a:schemeClr val="accent6"/>
+          </a:effectRef>
+          <a:fontRef idx="minor">
+            <a:schemeClr val="dk1"/>
+          </a:fontRef>
+        </p:style>
+        <p:txBody>
+          <a:bodyPr rtlCol="0" anchor="ctr"/>
+          <a:lstStyle/>
+          <a:p>
+            <a:pPr algn="ctr"/>
+            <a:r>
+              <a:rPr lang="es-ES" sz="1400" dirty="0" err="1"/>
+              <a:t>Game</a:t>
+            </a:r>
+            <a:r>
+              <a:rPr lang="es-ES" sz="1400" dirty="0"/>
+              <a:t> </a:t>
+            </a:r>
+            <a:r>
+              <a:rPr lang="es-ES" sz="1400" dirty="0" err="1"/>
+              <a:t>World</a:t>
+            </a:r>
+            <a:r>
+              <a:rPr lang="es-ES" sz="1400" dirty="0"/>
+              <a:t>/</a:t>
+            </a:r>
+            <a:r>
+              <a:rPr lang="es-ES" sz="1400" dirty="0" err="1"/>
+              <a:t>Map</a:t>
+            </a:r>
+            <a:endParaRPr lang="es-ES" sz="1400" dirty="0"/>
+          </a:p>
+        </p:txBody>
+      </p:sp>
+      <p:sp>
+        <p:nvSpPr>
+          <p:cNvPr id="15" name="Rectángulo: esquinas redondeadas 14">
+            <a:extLst>
+              <a:ext uri="{FF2B5EF4-FFF2-40B4-BE49-F238E27FC236}">
+                <a16:creationId xmlns:a16="http://schemas.microsoft.com/office/drawing/2014/main" id="{62A5E150-0617-4AD7-8234-B15EE1467458}"/>
+              </a:ext>
+            </a:extLst>
+          </p:cNvPr>
+          <p:cNvSpPr/>
+          <p:nvPr/>
+        </p:nvSpPr>
+        <p:spPr>
+          <a:xfrm>
+            <a:off x="7842402" y="2883779"/>
+            <a:ext cx="1171074" cy="356135"/>
+          </a:xfrm>
+          <a:prstGeom prst="roundRect">
+            <a:avLst/>
+          </a:prstGeom>
+        </p:spPr>
+        <p:style>
+          <a:lnRef idx="2">
+            <a:schemeClr val="accent6"/>
+          </a:lnRef>
+          <a:fillRef idx="1">
+            <a:schemeClr val="lt1"/>
+          </a:fillRef>
+          <a:effectRef idx="0">
+            <a:schemeClr val="accent6"/>
+          </a:effectRef>
+          <a:fontRef idx="minor">
+            <a:schemeClr val="dk1"/>
+          </a:fontRef>
+        </p:style>
+        <p:txBody>
+          <a:bodyPr rtlCol="0" anchor="ctr"/>
+          <a:lstStyle/>
+          <a:p>
+            <a:pPr algn="ctr"/>
+            <a:r>
+              <a:rPr lang="es-ES" dirty="0"/>
+              <a:t>Audio</a:t>
+            </a:r>
+          </a:p>
+        </p:txBody>
+      </p:sp>
+      <p:sp>
+        <p:nvSpPr>
+          <p:cNvPr id="16" name="Rectángulo: esquinas redondeadas 15">
+            <a:extLst>
+              <a:ext uri="{FF2B5EF4-FFF2-40B4-BE49-F238E27FC236}">
+                <a16:creationId xmlns:a16="http://schemas.microsoft.com/office/drawing/2014/main" id="{B035828F-24E8-44EB-B952-DEEDE776197D}"/>
+              </a:ext>
+            </a:extLst>
+          </p:cNvPr>
+          <p:cNvSpPr/>
+          <p:nvPr/>
+        </p:nvSpPr>
+        <p:spPr>
+          <a:xfrm>
+            <a:off x="8235903" y="2527646"/>
+            <a:ext cx="1302379" cy="356135"/>
+          </a:xfrm>
+          <a:prstGeom prst="roundRect">
+            <a:avLst/>
+          </a:prstGeom>
+        </p:spPr>
+        <p:style>
+          <a:lnRef idx="2">
+            <a:schemeClr val="accent6"/>
+          </a:lnRef>
+          <a:fillRef idx="1">
+            <a:schemeClr val="lt1"/>
+          </a:fillRef>
+          <a:effectRef idx="0">
+            <a:schemeClr val="accent6"/>
+          </a:effectRef>
+          <a:fontRef idx="minor">
+            <a:schemeClr val="dk1"/>
+          </a:fontRef>
+        </p:style>
+        <p:txBody>
+          <a:bodyPr rtlCol="0" anchor="ctr"/>
+          <a:lstStyle/>
+          <a:p>
+            <a:pPr algn="ctr"/>
+            <a:r>
+              <a:rPr lang="es-ES" dirty="0" err="1"/>
+              <a:t>Animation</a:t>
+            </a:r>
+            <a:endParaRPr lang="es-ES" dirty="0"/>
+          </a:p>
+        </p:txBody>
+      </p:sp>
+      <p:sp>
+        <p:nvSpPr>
+          <p:cNvPr id="17" name="Rectángulo: esquinas redondeadas 16">
+            <a:extLst>
+              <a:ext uri="{FF2B5EF4-FFF2-40B4-BE49-F238E27FC236}">
+                <a16:creationId xmlns:a16="http://schemas.microsoft.com/office/drawing/2014/main" id="{6AED65C1-495D-4ABE-848D-02864E8BC3DA}"/>
+              </a:ext>
+            </a:extLst>
+          </p:cNvPr>
+          <p:cNvSpPr/>
+          <p:nvPr/>
+        </p:nvSpPr>
+        <p:spPr>
+          <a:xfrm>
+            <a:off x="1845029" y="3366647"/>
+            <a:ext cx="8250272" cy="609600"/>
+          </a:xfrm>
+          <a:prstGeom prst="roundRect">
+            <a:avLst/>
+          </a:prstGeom>
+        </p:spPr>
+        <p:style>
+          <a:lnRef idx="2">
+            <a:schemeClr val="accent6"/>
+          </a:lnRef>
+          <a:fillRef idx="1">
+            <a:schemeClr val="lt1"/>
+          </a:fillRef>
+          <a:effectRef idx="0">
+            <a:schemeClr val="accent6"/>
+          </a:effectRef>
+          <a:fontRef idx="minor">
+            <a:schemeClr val="dk1"/>
+          </a:fontRef>
+        </p:style>
+        <p:txBody>
+          <a:bodyPr rtlCol="0" anchor="ctr"/>
+          <a:lstStyle/>
+          <a:p>
+            <a:pPr algn="ctr"/>
+            <a:r>
+              <a:rPr lang="es-ES" dirty="0"/>
+              <a:t>Modules</a:t>
+            </a:r>
+          </a:p>
+        </p:txBody>
+      </p:sp>
+      <p:sp>
+        <p:nvSpPr>
+          <p:cNvPr id="18" name="Rectángulo: esquinas redondeadas 17">
+            <a:extLst>
+              <a:ext uri="{FF2B5EF4-FFF2-40B4-BE49-F238E27FC236}">
+                <a16:creationId xmlns:a16="http://schemas.microsoft.com/office/drawing/2014/main" id="{44E98ED7-5A84-426A-AB06-00317AC22163}"/>
+              </a:ext>
+            </a:extLst>
+          </p:cNvPr>
+          <p:cNvSpPr/>
+          <p:nvPr/>
+        </p:nvSpPr>
+        <p:spPr>
+          <a:xfrm>
+            <a:off x="1845029" y="3976247"/>
+            <a:ext cx="8250272" cy="1099093"/>
+          </a:xfrm>
+          <a:prstGeom prst="roundRect">
+            <a:avLst/>
+          </a:prstGeom>
+        </p:spPr>
+        <p:style>
+          <a:lnRef idx="2">
+            <a:schemeClr val="accent1">
+              <a:shade val="50000"/>
+            </a:schemeClr>
+          </a:lnRef>
+          <a:fillRef idx="1">
+            <a:schemeClr val="accent1"/>
+          </a:fillRef>
+          <a:effectRef idx="0">
+            <a:schemeClr val="accent1"/>
+          </a:effectRef>
+          <a:fontRef idx="minor">
+            <a:schemeClr val="lt1"/>
+          </a:fontRef>
+        </p:style>
+        <p:txBody>
+          <a:bodyPr rtlCol="0" anchor="t"/>
+          <a:lstStyle/>
+          <a:p>
+            <a:pPr algn="ctr"/>
+            <a:endParaRPr lang="es-ES" sz="1200" dirty="0"/>
+          </a:p>
+        </p:txBody>
+      </p:sp>
+      <p:sp>
+        <p:nvSpPr>
+          <p:cNvPr id="29" name="Rectángulo: esquinas redondeadas 28">
+            <a:extLst>
+              <a:ext uri="{FF2B5EF4-FFF2-40B4-BE49-F238E27FC236}">
+                <a16:creationId xmlns:a16="http://schemas.microsoft.com/office/drawing/2014/main" id="{06A8B188-5AB4-4527-9BA9-766420355018}"/>
+              </a:ext>
+            </a:extLst>
+          </p:cNvPr>
+          <p:cNvSpPr/>
+          <p:nvPr/>
+        </p:nvSpPr>
+        <p:spPr>
+          <a:xfrm>
+            <a:off x="2159517" y="4200222"/>
+            <a:ext cx="1506045" cy="579406"/>
+          </a:xfrm>
+          <a:prstGeom prst="roundRect">
+            <a:avLst/>
+          </a:prstGeom>
+        </p:spPr>
+        <p:style>
+          <a:lnRef idx="2">
+            <a:schemeClr val="accent6"/>
+          </a:lnRef>
+          <a:fillRef idx="1">
+            <a:schemeClr val="lt1"/>
+          </a:fillRef>
+          <a:effectRef idx="0">
+            <a:schemeClr val="accent6"/>
+          </a:effectRef>
+          <a:fontRef idx="minor">
+            <a:schemeClr val="dk1"/>
+          </a:fontRef>
+        </p:style>
+        <p:txBody>
+          <a:bodyPr rtlCol="0" anchor="ctr"/>
+          <a:lstStyle/>
+          <a:p>
+            <a:pPr algn="ctr"/>
+            <a:r>
+              <a:rPr lang="es-ES" dirty="0"/>
+              <a:t>Render</a:t>
+            </a:r>
+          </a:p>
+          <a:p>
+            <a:pPr algn="ctr"/>
+            <a:r>
+              <a:rPr lang="es-ES" sz="1200" dirty="0"/>
+              <a:t>(3D y Ortogonal)</a:t>
+            </a:r>
+          </a:p>
+        </p:txBody>
+      </p:sp>
+      <p:sp>
+        <p:nvSpPr>
+          <p:cNvPr id="30" name="Rectángulo: esquinas redondeadas 29">
+            <a:extLst>
+              <a:ext uri="{FF2B5EF4-FFF2-40B4-BE49-F238E27FC236}">
+                <a16:creationId xmlns:a16="http://schemas.microsoft.com/office/drawing/2014/main" id="{BA88B191-1AF0-476C-B138-6FFC241070CB}"/>
+              </a:ext>
+            </a:extLst>
+          </p:cNvPr>
+          <p:cNvSpPr/>
+          <p:nvPr/>
+        </p:nvSpPr>
+        <p:spPr>
+          <a:xfrm>
+            <a:off x="3674907" y="4200222"/>
+            <a:ext cx="817414" cy="579406"/>
+          </a:xfrm>
+          <a:prstGeom prst="roundRect">
+            <a:avLst/>
+          </a:prstGeom>
+        </p:spPr>
+        <p:style>
+          <a:lnRef idx="2">
+            <a:schemeClr val="accent6"/>
+          </a:lnRef>
+          <a:fillRef idx="1">
+            <a:schemeClr val="lt1"/>
+          </a:fillRef>
+          <a:effectRef idx="0">
+            <a:schemeClr val="accent6"/>
+          </a:effectRef>
+          <a:fontRef idx="minor">
+            <a:schemeClr val="dk1"/>
+          </a:fontRef>
+        </p:style>
+        <p:txBody>
+          <a:bodyPr rtlCol="0" anchor="ctr"/>
+          <a:lstStyle/>
+          <a:p>
+            <a:pPr algn="ctr"/>
+            <a:r>
+              <a:rPr lang="es-ES" dirty="0"/>
+              <a:t>Input</a:t>
+            </a:r>
+          </a:p>
+        </p:txBody>
+      </p:sp>
+      <p:sp>
+        <p:nvSpPr>
+          <p:cNvPr id="32" name="Rectángulo: esquinas redondeadas 31">
+            <a:extLst>
+              <a:ext uri="{FF2B5EF4-FFF2-40B4-BE49-F238E27FC236}">
+                <a16:creationId xmlns:a16="http://schemas.microsoft.com/office/drawing/2014/main" id="{5BFEB994-DE94-457A-9ABB-BECFBF6EDF59}"/>
+              </a:ext>
+            </a:extLst>
+          </p:cNvPr>
+          <p:cNvSpPr/>
+          <p:nvPr/>
+        </p:nvSpPr>
+        <p:spPr>
+          <a:xfrm>
+            <a:off x="6172220" y="4200222"/>
+            <a:ext cx="1022422" cy="579406"/>
+          </a:xfrm>
+          <a:prstGeom prst="roundRect">
+            <a:avLst/>
+          </a:prstGeom>
+        </p:spPr>
+        <p:style>
+          <a:lnRef idx="2">
+            <a:schemeClr val="accent6"/>
+          </a:lnRef>
+          <a:fillRef idx="1">
+            <a:schemeClr val="lt1"/>
+          </a:fillRef>
+          <a:effectRef idx="0">
+            <a:schemeClr val="accent6"/>
+          </a:effectRef>
+          <a:fontRef idx="minor">
+            <a:schemeClr val="dk1"/>
+          </a:fontRef>
+        </p:style>
+        <p:txBody>
+          <a:bodyPr rtlCol="0" anchor="ctr"/>
+          <a:lstStyle/>
+          <a:p>
+            <a:pPr algn="ctr"/>
+            <a:r>
+              <a:rPr lang="es-ES" dirty="0" err="1"/>
+              <a:t>Window</a:t>
+            </a:r>
+            <a:endParaRPr lang="es-ES" dirty="0"/>
+          </a:p>
+        </p:txBody>
+      </p:sp>
+      <p:sp>
+        <p:nvSpPr>
+          <p:cNvPr id="33" name="Rectángulo: esquinas redondeadas 32">
+            <a:extLst>
+              <a:ext uri="{FF2B5EF4-FFF2-40B4-BE49-F238E27FC236}">
+                <a16:creationId xmlns:a16="http://schemas.microsoft.com/office/drawing/2014/main" id="{EE9A3153-754E-4C98-AB1F-00026EC5C855}"/>
+              </a:ext>
+            </a:extLst>
+          </p:cNvPr>
+          <p:cNvSpPr/>
+          <p:nvPr/>
+        </p:nvSpPr>
+        <p:spPr>
+          <a:xfrm>
+            <a:off x="4501666" y="4200222"/>
+            <a:ext cx="820208" cy="579406"/>
+          </a:xfrm>
+          <a:prstGeom prst="roundRect">
+            <a:avLst/>
+          </a:prstGeom>
+        </p:spPr>
+        <p:style>
+          <a:lnRef idx="2">
+            <a:schemeClr val="accent6"/>
+          </a:lnRef>
+          <a:fillRef idx="1">
+            <a:schemeClr val="lt1"/>
+          </a:fillRef>
+          <a:effectRef idx="0">
+            <a:schemeClr val="accent6"/>
+          </a:effectRef>
+          <a:fontRef idx="minor">
+            <a:schemeClr val="dk1"/>
+          </a:fontRef>
+        </p:style>
+        <p:txBody>
+          <a:bodyPr rtlCol="0" anchor="ctr"/>
+          <a:lstStyle/>
+          <a:p>
+            <a:pPr algn="ctr"/>
+            <a:r>
+              <a:rPr lang="es-ES" dirty="0"/>
+              <a:t>Editor</a:t>
+            </a:r>
+          </a:p>
+        </p:txBody>
+      </p:sp>
+      <p:sp>
+        <p:nvSpPr>
+          <p:cNvPr id="34" name="Rectángulo: esquinas redondeadas 33">
+            <a:extLst>
+              <a:ext uri="{FF2B5EF4-FFF2-40B4-BE49-F238E27FC236}">
+                <a16:creationId xmlns:a16="http://schemas.microsoft.com/office/drawing/2014/main" id="{CF48D15B-5CB9-4812-91B6-9CF6603A271A}"/>
+              </a:ext>
+            </a:extLst>
+          </p:cNvPr>
+          <p:cNvSpPr/>
+          <p:nvPr/>
+        </p:nvSpPr>
+        <p:spPr>
+          <a:xfrm>
+            <a:off x="7194642" y="4200222"/>
+            <a:ext cx="1506045" cy="579406"/>
+          </a:xfrm>
+          <a:prstGeom prst="roundRect">
+            <a:avLst/>
+          </a:prstGeom>
+        </p:spPr>
+        <p:style>
+          <a:lnRef idx="2">
+            <a:schemeClr val="accent6"/>
+          </a:lnRef>
+          <a:fillRef idx="1">
+            <a:schemeClr val="lt1"/>
+          </a:fillRef>
+          <a:effectRef idx="0">
+            <a:schemeClr val="accent6"/>
+          </a:effectRef>
+          <a:fontRef idx="minor">
+            <a:schemeClr val="dk1"/>
+          </a:fontRef>
+        </p:style>
+        <p:txBody>
+          <a:bodyPr rtlCol="0" anchor="ctr"/>
+          <a:lstStyle/>
+          <a:p>
+            <a:pPr algn="ctr"/>
+            <a:r>
+              <a:rPr lang="es-ES" dirty="0" err="1"/>
+              <a:t>Animation</a:t>
+            </a:r>
+            <a:endParaRPr lang="es-ES" dirty="0"/>
+          </a:p>
+        </p:txBody>
+      </p:sp>
+      <p:sp>
+        <p:nvSpPr>
+          <p:cNvPr id="35" name="Rectángulo: esquinas redondeadas 34">
+            <a:extLst>
+              <a:ext uri="{FF2B5EF4-FFF2-40B4-BE49-F238E27FC236}">
+                <a16:creationId xmlns:a16="http://schemas.microsoft.com/office/drawing/2014/main" id="{1600C1EA-D078-454B-BBC1-BF9553C7CBE0}"/>
+              </a:ext>
+            </a:extLst>
+          </p:cNvPr>
+          <p:cNvSpPr/>
+          <p:nvPr/>
+        </p:nvSpPr>
+        <p:spPr>
+          <a:xfrm>
+            <a:off x="2746747" y="2883778"/>
+            <a:ext cx="1171074" cy="356135"/>
+          </a:xfrm>
+          <a:prstGeom prst="roundRect">
+            <a:avLst/>
+          </a:prstGeom>
+        </p:spPr>
+        <p:style>
+          <a:lnRef idx="2">
+            <a:schemeClr val="accent6"/>
+          </a:lnRef>
+          <a:fillRef idx="1">
+            <a:schemeClr val="lt1"/>
+          </a:fillRef>
+          <a:effectRef idx="0">
+            <a:schemeClr val="accent6"/>
+          </a:effectRef>
+          <a:fontRef idx="minor">
+            <a:schemeClr val="dk1"/>
+          </a:fontRef>
+        </p:style>
+        <p:txBody>
+          <a:bodyPr rtlCol="0" anchor="ctr"/>
+          <a:lstStyle/>
+          <a:p>
+            <a:pPr algn="ctr"/>
+            <a:r>
+              <a:rPr lang="es-ES" dirty="0"/>
+              <a:t>Camera</a:t>
+            </a:r>
+          </a:p>
+        </p:txBody>
+      </p:sp>
+      <p:sp>
+        <p:nvSpPr>
+          <p:cNvPr id="38" name="Rectángulo: esquinas redondeadas 37">
+            <a:extLst>
+              <a:ext uri="{FF2B5EF4-FFF2-40B4-BE49-F238E27FC236}">
+                <a16:creationId xmlns:a16="http://schemas.microsoft.com/office/drawing/2014/main" id="{E099F482-6AEA-4A34-B930-31808A4C5C0D}"/>
+              </a:ext>
+            </a:extLst>
+          </p:cNvPr>
+          <p:cNvSpPr/>
+          <p:nvPr/>
+        </p:nvSpPr>
+        <p:spPr>
+          <a:xfrm>
+            <a:off x="5331219" y="4200222"/>
+            <a:ext cx="832612" cy="579406"/>
+          </a:xfrm>
+          <a:prstGeom prst="roundRect">
+            <a:avLst/>
+          </a:prstGeom>
+        </p:spPr>
+        <p:style>
+          <a:lnRef idx="2">
+            <a:schemeClr val="accent6"/>
+          </a:lnRef>
+          <a:fillRef idx="1">
+            <a:schemeClr val="lt1"/>
+          </a:fillRef>
+          <a:effectRef idx="0">
+            <a:schemeClr val="accent6"/>
+          </a:effectRef>
+          <a:fontRef idx="minor">
+            <a:schemeClr val="dk1"/>
+          </a:fontRef>
+        </p:style>
+        <p:txBody>
+          <a:bodyPr rtlCol="0" anchor="ctr"/>
+          <a:lstStyle/>
+          <a:p>
+            <a:pPr algn="ctr"/>
+            <a:r>
+              <a:rPr lang="es-ES" dirty="0"/>
+              <a:t>Audio</a:t>
+            </a:r>
+          </a:p>
+        </p:txBody>
+      </p:sp>
+      <p:sp>
+        <p:nvSpPr>
+          <p:cNvPr id="39" name="Rectángulo: esquinas redondeadas 38">
+            <a:extLst>
+              <a:ext uri="{FF2B5EF4-FFF2-40B4-BE49-F238E27FC236}">
+                <a16:creationId xmlns:a16="http://schemas.microsoft.com/office/drawing/2014/main" id="{573055EB-3F9D-4C77-8656-C2A4CD3CEB55}"/>
+              </a:ext>
+            </a:extLst>
+          </p:cNvPr>
+          <p:cNvSpPr/>
+          <p:nvPr/>
+        </p:nvSpPr>
+        <p:spPr>
+          <a:xfrm>
+            <a:off x="8700687" y="4200222"/>
+            <a:ext cx="1022422" cy="579406"/>
+          </a:xfrm>
+          <a:prstGeom prst="roundRect">
+            <a:avLst/>
+          </a:prstGeom>
+        </p:spPr>
+        <p:style>
+          <a:lnRef idx="2">
+            <a:schemeClr val="accent6"/>
+          </a:lnRef>
+          <a:fillRef idx="1">
+            <a:schemeClr val="lt1"/>
+          </a:fillRef>
+          <a:effectRef idx="0">
+            <a:schemeClr val="accent6"/>
+          </a:effectRef>
+          <a:fontRef idx="minor">
+            <a:schemeClr val="dk1"/>
+          </a:fontRef>
+        </p:style>
+        <p:txBody>
+          <a:bodyPr rtlCol="0" anchor="ctr"/>
+          <a:lstStyle/>
+          <a:p>
+            <a:pPr algn="ctr"/>
+            <a:r>
+              <a:rPr lang="es-ES" dirty="0" err="1"/>
+              <a:t>Level</a:t>
+            </a:r>
+            <a:endParaRPr lang="es-ES" dirty="0"/>
           </a:p>
         </p:txBody>
       </p:sp>
